--- a/presa.pptx
+++ b/presa.pptx
@@ -250,7 +250,7 @@
           </a:bodyPr>
           <a:p>
             <a:pPr algn="r"/>
-            <a:fld id="{33A20409-F3B1-4A59-9BDE-415397818BBB}" type="slidenum">
+            <a:fld id="{179B9CB7-1D73-459E-BCB7-1DEE2C85D7C2}" type="slidenum">
               <a:rPr b="0" lang="en-US" sz="1400" spc="-1" strike="noStrike">
                 <a:latin typeface="Times New Roman"/>
               </a:rPr>
@@ -298,7 +298,7 @@
         <p:spPr>
           <a:xfrm>
             <a:off x="380880" y="685800"/>
-            <a:ext cx="6095160" cy="3428280"/>
+            <a:ext cx="6094800" cy="3427920"/>
           </a:xfrm>
           <a:prstGeom prst="rect">
             <a:avLst/>
@@ -318,7 +318,7 @@
         <p:spPr>
           <a:xfrm>
             <a:off x="685800" y="4343400"/>
-            <a:ext cx="5485680" cy="4114080"/>
+            <a:ext cx="5485320" cy="4113720"/>
           </a:xfrm>
           <a:prstGeom prst="rect">
             <a:avLst/>
@@ -344,7 +344,7 @@
         <p:spPr>
           <a:xfrm>
             <a:off x="3884760" y="8685360"/>
-            <a:ext cx="2971080" cy="456480"/>
+            <a:ext cx="2970720" cy="456120"/>
           </a:xfrm>
           <a:prstGeom prst="rect">
             <a:avLst/>
@@ -370,7 +370,7 @@
                 <a:spcPct val="100000"/>
               </a:lnSpc>
             </a:pPr>
-            <a:fld id="{F3326D0B-DB05-427F-A6BE-5B348999C374}" type="slidenum">
+            <a:fld id="{773E5DA0-3D8C-4B26-B935-14590D0A3C4E}" type="slidenum">
               <a:rPr b="0" lang="en-US" sz="1200" spc="-1" strike="noStrike">
                 <a:solidFill>
                   <a:srgbClr val="000000"/>
@@ -5851,7 +5851,7 @@
         <p:spPr>
           <a:xfrm>
             <a:off x="5098320" y="490320"/>
-            <a:ext cx="183960" cy="368640"/>
+            <a:ext cx="183600" cy="368280"/>
           </a:xfrm>
           <a:prstGeom prst="rect">
             <a:avLst/>
@@ -5877,7 +5877,7 @@
         <p:spPr>
           <a:xfrm>
             <a:off x="5910840" y="427320"/>
-            <a:ext cx="183960" cy="368640"/>
+            <a:ext cx="183600" cy="368280"/>
           </a:xfrm>
           <a:prstGeom prst="rect">
             <a:avLst/>
@@ -5923,49 +5923,7 @@
               <a:rPr b="0" lang="en-US" sz="4400" spc="-1" strike="noStrike">
                 <a:latin typeface="Arial"/>
               </a:rPr>
-              <a:t>Click </a:t>
-            </a:r>
-            <a:r>
-              <a:rPr b="0" lang="en-US" sz="4400" spc="-1" strike="noStrike">
-                <a:latin typeface="Arial"/>
-              </a:rPr>
-              <a:t>to </a:t>
-            </a:r>
-            <a:r>
-              <a:rPr b="0" lang="en-US" sz="4400" spc="-1" strike="noStrike">
-                <a:latin typeface="Arial"/>
-              </a:rPr>
-              <a:t>edit </a:t>
-            </a:r>
-            <a:r>
-              <a:rPr b="0" lang="en-US" sz="4400" spc="-1" strike="noStrike">
-                <a:latin typeface="Arial"/>
-              </a:rPr>
-              <a:t>the </a:t>
-            </a:r>
-            <a:r>
-              <a:rPr b="0" lang="en-US" sz="4400" spc="-1" strike="noStrike">
-                <a:latin typeface="Arial"/>
-              </a:rPr>
-              <a:t>title </a:t>
-            </a:r>
-            <a:r>
-              <a:rPr b="0" lang="en-US" sz="4400" spc="-1" strike="noStrike">
-                <a:latin typeface="Arial"/>
-              </a:rPr>
-              <a:t>text </a:t>
-            </a:r>
-            <a:r>
-              <a:rPr b="0" lang="en-US" sz="4400" spc="-1" strike="noStrike">
-                <a:latin typeface="Arial"/>
-              </a:rPr>
-              <a:t>forma</a:t>
-            </a:r>
-            <a:r>
-              <a:rPr b="0" lang="en-US" sz="4400" spc="-1" strike="noStrike">
-                <a:latin typeface="Arial"/>
-              </a:rPr>
-              <a:t>t</a:t>
+              <a:t>Click to edit the title text format</a:t>
             </a:r>
             <a:endParaRPr b="0" lang="en-US" sz="4400" spc="-1" strike="noStrike">
               <a:latin typeface="Arial"/>
@@ -6208,7 +6166,7 @@
         <p:spPr>
           <a:xfrm>
             <a:off x="-865080" y="4134240"/>
-            <a:ext cx="183960" cy="368640"/>
+            <a:ext cx="183600" cy="368280"/>
           </a:xfrm>
           <a:prstGeom prst="rect">
             <a:avLst/>
@@ -6760,7 +6718,7 @@
         <p:spPr>
           <a:xfrm>
             <a:off x="-865080" y="4134240"/>
-            <a:ext cx="183960" cy="368640"/>
+            <a:ext cx="183600" cy="368280"/>
           </a:xfrm>
           <a:prstGeom prst="rect">
             <a:avLst/>
@@ -7049,7 +7007,7 @@
         <p:spPr>
           <a:xfrm>
             <a:off x="1360800" y="3081960"/>
-            <a:ext cx="6400080" cy="704880"/>
+            <a:ext cx="6399720" cy="704520"/>
           </a:xfrm>
           <a:prstGeom prst="rect">
             <a:avLst/>
@@ -7086,7 +7044,7 @@
                 <a:latin typeface="Calibri"/>
                 <a:ea typeface="Source Han Sans SC"/>
               </a:rPr>
-              <a:t>Разработка компонента, реализующего функционал DHCP сервера для системы управления маршутизатором</a:t>
+              <a:t>Разработка компонента, реализующего функционал DHCP сервера для системы управления маршрутизатором</a:t>
             </a:r>
             <a:endParaRPr b="0" lang="en-US" sz="3200" spc="-1" strike="noStrike">
               <a:latin typeface="Arial"/>
@@ -7103,7 +7061,7 @@
         <p:spPr>
           <a:xfrm>
             <a:off x="4668480" y="3976200"/>
-            <a:ext cx="6400080" cy="462240"/>
+            <a:ext cx="6399720" cy="461880"/>
           </a:xfrm>
           <a:prstGeom prst="rect">
             <a:avLst/>
@@ -7138,6 +7096,7 @@
                   <a:srgbClr val="ffffff"/>
                 </a:solidFill>
                 <a:latin typeface="Calibri"/>
+                <a:ea typeface="DejaVu Sans"/>
               </a:rPr>
               <a:t>Студент: Суннари Джоуни Илмариевич</a:t>
             </a:r>
@@ -7160,6 +7119,7 @@
                   <a:srgbClr val="ffffff"/>
                 </a:solidFill>
                 <a:latin typeface="Calibri"/>
+                <a:ea typeface="DejaVu Sans"/>
               </a:rPr>
               <a:t>Научный руководитель: Карапетян Гор Арменович</a:t>
             </a:r>
@@ -7208,7 +7168,7 @@
         <p:spPr>
           <a:xfrm>
             <a:off x="2361240" y="604800"/>
-            <a:ext cx="1104840" cy="455760"/>
+            <a:ext cx="1104840" cy="455400"/>
           </a:xfrm>
           <a:prstGeom prst="rect">
             <a:avLst/>
@@ -7259,7 +7219,7 @@
         <p:spPr>
           <a:xfrm>
             <a:off x="8555040" y="4512240"/>
-            <a:ext cx="334800" cy="455760"/>
+            <a:ext cx="334440" cy="455400"/>
           </a:xfrm>
           <a:prstGeom prst="rect">
             <a:avLst/>
@@ -7314,7 +7274,7 @@
         <p:spPr>
           <a:xfrm>
             <a:off x="2011680" y="1645920"/>
-            <a:ext cx="4571640" cy="3047400"/>
+            <a:ext cx="4571280" cy="3047040"/>
           </a:xfrm>
           <a:prstGeom prst="rect">
             <a:avLst/>
@@ -7333,7 +7293,7 @@
         <p:spPr>
           <a:xfrm>
             <a:off x="510480" y="1159200"/>
-            <a:ext cx="8228880" cy="364320"/>
+            <a:ext cx="8228520" cy="363960"/>
           </a:xfrm>
           <a:prstGeom prst="rect">
             <a:avLst/>
@@ -7354,7 +7314,7 @@
             <a:spAutoFit/>
           </a:bodyPr>
           <a:p>
-            <a:pPr marL="285840" indent="-285120">
+            <a:pPr marL="285840" indent="-284760">
               <a:lnSpc>
                 <a:spcPct val="100000"/>
               </a:lnSpc>
@@ -7502,7 +7462,7 @@
         <p:spPr>
           <a:xfrm>
             <a:off x="436680" y="574920"/>
-            <a:ext cx="3367800" cy="455760"/>
+            <a:ext cx="3367800" cy="455400"/>
           </a:xfrm>
           <a:prstGeom prst="rect">
             <a:avLst/>
@@ -7553,7 +7513,7 @@
         <p:spPr>
           <a:xfrm>
             <a:off x="8555040" y="4512240"/>
-            <a:ext cx="334800" cy="455760"/>
+            <a:ext cx="334440" cy="455400"/>
           </a:xfrm>
           <a:prstGeom prst="rect">
             <a:avLst/>
@@ -7607,8 +7567,8 @@
         </p:blipFill>
         <p:spPr>
           <a:xfrm>
-            <a:off x="3639240" y="1031040"/>
-            <a:ext cx="3767040" cy="3906360"/>
+            <a:off x="91440" y="1280160"/>
+            <a:ext cx="8960760" cy="2861640"/>
           </a:xfrm>
           <a:prstGeom prst="rect">
             <a:avLst/>
@@ -7657,7 +7617,7 @@
         <p:spPr>
           <a:xfrm>
             <a:off x="1064160" y="574920"/>
-            <a:ext cx="2226240" cy="455760"/>
+            <a:ext cx="2226240" cy="455400"/>
           </a:xfrm>
           <a:prstGeom prst="rect">
             <a:avLst/>
@@ -7708,7 +7668,7 @@
         <p:spPr>
           <a:xfrm>
             <a:off x="8555040" y="4512240"/>
-            <a:ext cx="334800" cy="455760"/>
+            <a:ext cx="334440" cy="455400"/>
           </a:xfrm>
           <a:prstGeom prst="rect">
             <a:avLst/>
@@ -7763,7 +7723,7 @@
         <p:spPr>
           <a:xfrm>
             <a:off x="2784240" y="1031040"/>
-            <a:ext cx="3524760" cy="4001400"/>
+            <a:ext cx="3524400" cy="4001040"/>
           </a:xfrm>
           <a:prstGeom prst="rect">
             <a:avLst/>
@@ -7812,7 +7772,7 @@
         <p:spPr>
           <a:xfrm>
             <a:off x="1897200" y="574920"/>
-            <a:ext cx="1814760" cy="455760"/>
+            <a:ext cx="1814760" cy="455400"/>
           </a:xfrm>
           <a:prstGeom prst="rect">
             <a:avLst/>
@@ -7863,7 +7823,7 @@
         <p:spPr>
           <a:xfrm>
             <a:off x="8555040" y="4512240"/>
-            <a:ext cx="334800" cy="455760"/>
+            <a:ext cx="334440" cy="455400"/>
           </a:xfrm>
           <a:prstGeom prst="rect">
             <a:avLst/>
@@ -7914,7 +7874,7 @@
         <p:spPr>
           <a:xfrm>
             <a:off x="510480" y="1159200"/>
-            <a:ext cx="8228880" cy="1186920"/>
+            <a:ext cx="8228520" cy="1186920"/>
           </a:xfrm>
           <a:prstGeom prst="rect">
             <a:avLst/>
@@ -7945,7 +7905,7 @@
             </a:endParaRPr>
           </a:p>
           <a:p>
-            <a:pPr marL="285840" indent="-285120">
+            <a:pPr marL="285840" indent="-284760">
               <a:lnSpc>
                 <a:spcPct val="100000"/>
               </a:lnSpc>
@@ -7970,7 +7930,7 @@
             </a:endParaRPr>
           </a:p>
           <a:p>
-            <a:pPr marL="285840" indent="-285120">
+            <a:pPr marL="285840" indent="-284760">
               <a:lnSpc>
                 <a:spcPct val="100000"/>
               </a:lnSpc>
@@ -7995,7 +7955,7 @@
             </a:endParaRPr>
           </a:p>
           <a:p>
-            <a:pPr marL="285840" indent="-285120">
+            <a:pPr marL="285840" indent="-284760">
               <a:lnSpc>
                 <a:spcPct val="100000"/>
               </a:lnSpc>
@@ -8273,7 +8233,7 @@
         <p:spPr>
           <a:xfrm>
             <a:off x="547200" y="1573200"/>
-            <a:ext cx="7758720" cy="1735560"/>
+            <a:ext cx="7758360" cy="1735560"/>
           </a:xfrm>
           <a:prstGeom prst="rect">
             <a:avLst/>
@@ -8294,7 +8254,7 @@
             <a:spAutoFit/>
           </a:bodyPr>
           <a:p>
-            <a:pPr marL="285840" indent="-285120">
+            <a:pPr marL="285840" indent="-284760">
               <a:lnSpc>
                 <a:spcPct val="150000"/>
               </a:lnSpc>
@@ -8319,7 +8279,7 @@
             </a:endParaRPr>
           </a:p>
           <a:p>
-            <a:pPr marL="360000" indent="-285120">
+            <a:pPr marL="360000" indent="-284760">
               <a:lnSpc>
                 <a:spcPct val="150000"/>
               </a:lnSpc>
@@ -8344,7 +8304,7 @@
             </a:endParaRPr>
           </a:p>
           <a:p>
-            <a:pPr marL="360000" indent="-285120">
+            <a:pPr marL="360000" indent="-284760">
               <a:lnSpc>
                 <a:spcPct val="150000"/>
               </a:lnSpc>
@@ -8369,7 +8329,7 @@
             </a:endParaRPr>
           </a:p>
           <a:p>
-            <a:pPr marL="285840" indent="-285120">
+            <a:pPr marL="285840" indent="-284760">
               <a:lnSpc>
                 <a:spcPct val="150000"/>
               </a:lnSpc>
@@ -8404,7 +8364,7 @@
         <p:spPr>
           <a:xfrm>
             <a:off x="846360" y="574920"/>
-            <a:ext cx="3916080" cy="455760"/>
+            <a:ext cx="3915720" cy="455400"/>
           </a:xfrm>
           <a:prstGeom prst="rect">
             <a:avLst/>
@@ -8455,7 +8415,7 @@
         <p:spPr>
           <a:xfrm>
             <a:off x="8555040" y="4512240"/>
-            <a:ext cx="334800" cy="455760"/>
+            <a:ext cx="334440" cy="455400"/>
           </a:xfrm>
           <a:prstGeom prst="rect">
             <a:avLst/>
@@ -8810,7 +8770,7 @@
         <p:spPr>
           <a:xfrm>
             <a:off x="644400" y="574920"/>
-            <a:ext cx="4493520" cy="455760"/>
+            <a:ext cx="4493160" cy="455400"/>
           </a:xfrm>
           <a:prstGeom prst="rect">
             <a:avLst/>
@@ -8861,7 +8821,7 @@
         <p:spPr>
           <a:xfrm>
             <a:off x="510480" y="1159200"/>
-            <a:ext cx="8228880" cy="1735560"/>
+            <a:ext cx="8228520" cy="1735560"/>
           </a:xfrm>
           <a:prstGeom prst="rect">
             <a:avLst/>
@@ -8882,7 +8842,7 @@
             <a:spAutoFit/>
           </a:bodyPr>
           <a:p>
-            <a:pPr marL="285840" indent="-285120">
+            <a:pPr marL="285840" indent="-284760">
               <a:lnSpc>
                 <a:spcPct val="100000"/>
               </a:lnSpc>
@@ -8907,7 +8867,7 @@
             </a:endParaRPr>
           </a:p>
           <a:p>
-            <a:pPr marL="285840" indent="-285120">
+            <a:pPr marL="285840" indent="-284760">
               <a:lnSpc>
                 <a:spcPct val="100000"/>
               </a:lnSpc>
@@ -8932,7 +8892,7 @@
             </a:endParaRPr>
           </a:p>
           <a:p>
-            <a:pPr marL="285840" indent="-285120">
+            <a:pPr marL="285840" indent="-284760">
               <a:lnSpc>
                 <a:spcPct val="100000"/>
               </a:lnSpc>
@@ -8957,7 +8917,7 @@
             </a:endParaRPr>
           </a:p>
           <a:p>
-            <a:pPr marL="285840" indent="-285120">
+            <a:pPr marL="285840" indent="-284760">
               <a:lnSpc>
                 <a:spcPct val="100000"/>
               </a:lnSpc>
@@ -8982,7 +8942,7 @@
             </a:endParaRPr>
           </a:p>
           <a:p>
-            <a:pPr marL="285840" indent="-285120">
+            <a:pPr marL="285840" indent="-284760">
               <a:lnSpc>
                 <a:spcPct val="100000"/>
               </a:lnSpc>
@@ -9007,7 +8967,7 @@
             </a:endParaRPr>
           </a:p>
           <a:p>
-            <a:pPr marL="285840" indent="-285120">
+            <a:pPr marL="285840" indent="-284760">
               <a:lnSpc>
                 <a:spcPct val="100000"/>
               </a:lnSpc>
@@ -9042,7 +9002,7 @@
         <p:spPr>
           <a:xfrm>
             <a:off x="8555040" y="4512240"/>
-            <a:ext cx="334800" cy="455760"/>
+            <a:ext cx="334440" cy="455400"/>
           </a:xfrm>
           <a:prstGeom prst="rect">
             <a:avLst/>
@@ -9519,7 +9479,7 @@
         <p:spPr>
           <a:xfrm>
             <a:off x="1333800" y="574920"/>
-            <a:ext cx="1834200" cy="455760"/>
+            <a:ext cx="1833840" cy="455400"/>
           </a:xfrm>
           <a:prstGeom prst="rect">
             <a:avLst/>
@@ -9570,7 +9530,7 @@
         <p:spPr>
           <a:xfrm>
             <a:off x="8555040" y="4512240"/>
-            <a:ext cx="334800" cy="455760"/>
+            <a:ext cx="334440" cy="455400"/>
           </a:xfrm>
           <a:prstGeom prst="rect">
             <a:avLst/>
@@ -9625,7 +9585,7 @@
         <p:spPr>
           <a:xfrm>
             <a:off x="3168360" y="914400"/>
-            <a:ext cx="4339800" cy="3954600"/>
+            <a:ext cx="4339440" cy="3954240"/>
           </a:xfrm>
           <a:prstGeom prst="rect">
             <a:avLst/>
@@ -9674,7 +9634,7 @@
         <p:spPr>
           <a:xfrm>
             <a:off x="155520" y="-144360"/>
-            <a:ext cx="304200" cy="304200"/>
+            <a:ext cx="303840" cy="303840"/>
           </a:xfrm>
           <a:prstGeom prst="rect">
             <a:avLst/>
@@ -9700,7 +9660,7 @@
         <p:spPr>
           <a:xfrm>
             <a:off x="307800" y="7920"/>
-            <a:ext cx="304200" cy="304200"/>
+            <a:ext cx="303840" cy="303840"/>
           </a:xfrm>
           <a:prstGeom prst="rect">
             <a:avLst/>
@@ -9726,7 +9686,7 @@
         <p:spPr>
           <a:xfrm>
             <a:off x="1439640" y="574920"/>
-            <a:ext cx="1660680" cy="455760"/>
+            <a:ext cx="1660320" cy="455400"/>
           </a:xfrm>
           <a:prstGeom prst="rect">
             <a:avLst/>
@@ -9777,7 +9737,7 @@
         <p:spPr>
           <a:xfrm>
             <a:off x="8556120" y="4512240"/>
-            <a:ext cx="488520" cy="455760"/>
+            <a:ext cx="488160" cy="455400"/>
           </a:xfrm>
           <a:prstGeom prst="rect">
             <a:avLst/>
@@ -9828,7 +9788,7 @@
         <p:spPr>
           <a:xfrm>
             <a:off x="665280" y="1312920"/>
-            <a:ext cx="6141600" cy="2284200"/>
+            <a:ext cx="6141240" cy="2284200"/>
           </a:xfrm>
           <a:prstGeom prst="rect">
             <a:avLst/>
@@ -9849,7 +9809,7 @@
             <a:spAutoFit/>
           </a:bodyPr>
           <a:p>
-            <a:pPr marL="285840" indent="-285120">
+            <a:pPr marL="285840" indent="-284760">
               <a:lnSpc>
                 <a:spcPct val="100000"/>
               </a:lnSpc>
@@ -9874,7 +9834,7 @@
             </a:endParaRPr>
           </a:p>
           <a:p>
-            <a:pPr marL="285840" indent="-285120">
+            <a:pPr marL="285840" indent="-284760">
               <a:lnSpc>
                 <a:spcPct val="100000"/>
               </a:lnSpc>
@@ -9899,7 +9859,7 @@
             </a:endParaRPr>
           </a:p>
           <a:p>
-            <a:pPr marL="285840" indent="-285120">
+            <a:pPr marL="285840" indent="-284760">
               <a:lnSpc>
                 <a:spcPct val="100000"/>
               </a:lnSpc>
@@ -9924,7 +9884,7 @@
             </a:endParaRPr>
           </a:p>
           <a:p>
-            <a:pPr marL="285840" indent="-285120">
+            <a:pPr marL="285840" indent="-284760">
               <a:lnSpc>
                 <a:spcPct val="100000"/>
               </a:lnSpc>
@@ -9949,7 +9909,7 @@
             </a:endParaRPr>
           </a:p>
           <a:p>
-            <a:pPr marL="285840" indent="-285120">
+            <a:pPr marL="285840" indent="-284760">
               <a:lnSpc>
                 <a:spcPct val="100000"/>
               </a:lnSpc>
